--- a/Adaptive management workflow.pptx
+++ b/Adaptive management workflow.pptx
@@ -288,7 +288,7 @@
           <a:p>
             <a:fld id="{48A0147E-1C31-436E-B59F-29FB427BA6C3}" type="datetimeFigureOut">
               <a:rPr lang="fr-CA" smtClean="0"/>
-              <a:t>2014-07-03</a:t>
+              <a:t>2014-09-19</a:t>
             </a:fld>
             <a:endParaRPr lang="fr-CA" dirty="0"/>
           </a:p>
@@ -458,7 +458,7 @@
           <a:p>
             <a:fld id="{48A0147E-1C31-436E-B59F-29FB427BA6C3}" type="datetimeFigureOut">
               <a:rPr lang="fr-CA" smtClean="0"/>
-              <a:t>2014-07-03</a:t>
+              <a:t>2014-09-19</a:t>
             </a:fld>
             <a:endParaRPr lang="fr-CA" dirty="0"/>
           </a:p>
@@ -638,7 +638,7 @@
           <a:p>
             <a:fld id="{48A0147E-1C31-436E-B59F-29FB427BA6C3}" type="datetimeFigureOut">
               <a:rPr lang="fr-CA" smtClean="0"/>
-              <a:t>2014-07-03</a:t>
+              <a:t>2014-09-19</a:t>
             </a:fld>
             <a:endParaRPr lang="fr-CA" dirty="0"/>
           </a:p>
@@ -808,7 +808,7 @@
           <a:p>
             <a:fld id="{48A0147E-1C31-436E-B59F-29FB427BA6C3}" type="datetimeFigureOut">
               <a:rPr lang="fr-CA" smtClean="0"/>
-              <a:t>2014-07-03</a:t>
+              <a:t>2014-09-19</a:t>
             </a:fld>
             <a:endParaRPr lang="fr-CA" dirty="0"/>
           </a:p>
@@ -1054,7 +1054,7 @@
           <a:p>
             <a:fld id="{48A0147E-1C31-436E-B59F-29FB427BA6C3}" type="datetimeFigureOut">
               <a:rPr lang="fr-CA" smtClean="0"/>
-              <a:t>2014-07-03</a:t>
+              <a:t>2014-09-19</a:t>
             </a:fld>
             <a:endParaRPr lang="fr-CA" dirty="0"/>
           </a:p>
@@ -1342,7 +1342,7 @@
           <a:p>
             <a:fld id="{48A0147E-1C31-436E-B59F-29FB427BA6C3}" type="datetimeFigureOut">
               <a:rPr lang="fr-CA" smtClean="0"/>
-              <a:t>2014-07-03</a:t>
+              <a:t>2014-09-19</a:t>
             </a:fld>
             <a:endParaRPr lang="fr-CA" dirty="0"/>
           </a:p>
@@ -1764,7 +1764,7 @@
           <a:p>
             <a:fld id="{48A0147E-1C31-436E-B59F-29FB427BA6C3}" type="datetimeFigureOut">
               <a:rPr lang="fr-CA" smtClean="0"/>
-              <a:t>2014-07-03</a:t>
+              <a:t>2014-09-19</a:t>
             </a:fld>
             <a:endParaRPr lang="fr-CA" dirty="0"/>
           </a:p>
@@ -1882,7 +1882,7 @@
           <a:p>
             <a:fld id="{48A0147E-1C31-436E-B59F-29FB427BA6C3}" type="datetimeFigureOut">
               <a:rPr lang="fr-CA" smtClean="0"/>
-              <a:t>2014-07-03</a:t>
+              <a:t>2014-09-19</a:t>
             </a:fld>
             <a:endParaRPr lang="fr-CA" dirty="0"/>
           </a:p>
@@ -1977,7 +1977,7 @@
           <a:p>
             <a:fld id="{48A0147E-1C31-436E-B59F-29FB427BA6C3}" type="datetimeFigureOut">
               <a:rPr lang="fr-CA" smtClean="0"/>
-              <a:t>2014-07-03</a:t>
+              <a:t>2014-09-19</a:t>
             </a:fld>
             <a:endParaRPr lang="fr-CA" dirty="0"/>
           </a:p>
@@ -2254,7 +2254,7 @@
           <a:p>
             <a:fld id="{48A0147E-1C31-436E-B59F-29FB427BA6C3}" type="datetimeFigureOut">
               <a:rPr lang="fr-CA" smtClean="0"/>
-              <a:t>2014-07-03</a:t>
+              <a:t>2014-09-19</a:t>
             </a:fld>
             <a:endParaRPr lang="fr-CA" dirty="0"/>
           </a:p>
@@ -2507,7 +2507,7 @@
           <a:p>
             <a:fld id="{48A0147E-1C31-436E-B59F-29FB427BA6C3}" type="datetimeFigureOut">
               <a:rPr lang="fr-CA" smtClean="0"/>
-              <a:t>2014-07-03</a:t>
+              <a:t>2014-09-19</a:t>
             </a:fld>
             <a:endParaRPr lang="fr-CA" dirty="0"/>
           </a:p>
@@ -2720,7 +2720,7 @@
           <a:p>
             <a:fld id="{48A0147E-1C31-436E-B59F-29FB427BA6C3}" type="datetimeFigureOut">
               <a:rPr lang="fr-CA" smtClean="0"/>
-              <a:t>2014-07-03</a:t>
+              <a:t>2014-09-19</a:t>
             </a:fld>
             <a:endParaRPr lang="fr-CA" dirty="0"/>
           </a:p>
@@ -3191,7 +3191,7 @@
           <a:p>
             <a:pPr algn="ctr"/>
             <a:r>
-              <a:rPr lang="en-US" sz="1000">
+              <a:rPr lang="en-US" sz="1000" dirty="0">
                 <a:solidFill>
                   <a:schemeClr val="tx1"/>
                 </a:solidFill>
@@ -3202,7 +3202,7 @@
           <a:p>
             <a:pPr algn="ctr"/>
             <a:r>
-              <a:rPr lang="en-US" sz="1000">
+              <a:rPr lang="en-US" sz="1000" dirty="0">
                 <a:solidFill>
                   <a:schemeClr val="tx1"/>
                 </a:solidFill>
@@ -4138,16 +4138,16 @@
             <a:lstStyle/>
             <a:p>
               <a:r>
-                <a:rPr lang="en-US" sz="1000" b="1" dirty="0" err="1"/>
-                <a:t>Obj</a:t>
+                <a:rPr lang="en-US" sz="1000" b="1" dirty="0" smtClean="0"/>
+                <a:t>Objective:</a:t>
               </a:r>
               <a:r>
-                <a:rPr lang="en-US" sz="1000" b="1" dirty="0"/>
-                <a:t>:</a:t>
+                <a:rPr lang="en-US" sz="1000" dirty="0" smtClean="0"/>
+                <a:t> </a:t>
               </a:r>
               <a:r>
                 <a:rPr lang="en-US" sz="1000" dirty="0"/>
-                <a:t> How populations of a species respond to precipitation</a:t>
+                <a:t>How populations of a species respond to precipitation</a:t>
               </a:r>
             </a:p>
             <a:p>
@@ -4371,16 +4371,16 @@
           <a:lstStyle/>
           <a:p>
             <a:r>
-              <a:rPr lang="en-US" sz="1000" b="1" dirty="0" err="1"/>
-              <a:t>Obj</a:t>
-            </a:r>
-            <a:r>
-              <a:rPr lang="en-US" sz="1000" b="1" dirty="0"/>
-              <a:t>:</a:t>
+              <a:rPr lang="en-US" sz="1000" b="1" dirty="0" smtClean="0"/>
+              <a:t>Objective:</a:t>
+            </a:r>
+            <a:r>
+              <a:rPr lang="en-US" sz="1000" dirty="0" smtClean="0"/>
+              <a:t> </a:t>
             </a:r>
             <a:r>
               <a:rPr lang="en-US" sz="1000" dirty="0"/>
-              <a:t> parameterize a statistical model best capturing the relationship between occurrence probability and the environment.</a:t>
+              <a:t>parameterize a statistical model best capturing the relationship between occurrence probability and the environment.</a:t>
             </a:r>
           </a:p>
           <a:p>
@@ -4479,7 +4479,7 @@
         <p:spPr>
           <a:xfrm>
             <a:off x="5892569" y="3510300"/>
-            <a:ext cx="1668297" cy="559911"/>
+            <a:ext cx="1668297" cy="707878"/>
           </a:xfrm>
           <a:prstGeom prst="rect">
             <a:avLst/>
@@ -4499,12 +4499,16 @@
           </a:p>
           <a:p>
             <a:r>
-              <a:rPr lang="en-US" sz="1000" b="1" dirty="0" err="1"/>
-              <a:t>Obj</a:t>
+              <a:rPr lang="en-US" sz="1000" b="1" dirty="0" smtClean="0"/>
+              <a:t>Objective</a:t>
+            </a:r>
+            <a:r>
+              <a:rPr lang="en-US" sz="1000" dirty="0" smtClean="0"/>
+              <a:t>: </a:t>
             </a:r>
             <a:r>
               <a:rPr lang="en-US" sz="1000" dirty="0"/>
-              <a:t>: reduce uncertainty when forecasting</a:t>
+              <a:t>reduce uncertainty when forecasting</a:t>
             </a:r>
           </a:p>
         </p:txBody>
@@ -4804,6 +4808,13 @@
   <p:clrMapOvr>
     <a:masterClrMapping/>
   </p:clrMapOvr>
+  <p:timing>
+    <p:tnLst>
+      <p:par>
+        <p:cTn xmlns:p14="http://schemas.microsoft.com/office/powerpoint/2010/main" id="1" dur="indefinite" restart="never" nodeType="tmRoot"/>
+      </p:par>
+    </p:tnLst>
+  </p:timing>
 </p:sld>
 </file>
 
